--- a/Slides/1. Neo4j Intro.pptx
+++ b/Slides/1. Neo4j Intro.pptx
@@ -125,6 +125,11 @@
       </a:defRPr>
     </a:lvl9pPr>
   </p:defaultTextStyle>
+  <p:extLst>
+    <p:ext uri="{EFAFB233-063F-42B5-8137-9DF3F51BA10A}">
+      <p15:sldGuideLst xmlns:p15="http://schemas.microsoft.com/office/powerpoint/2012/main"/>
+    </p:ext>
+  </p:extLst>
 </p:presentation>
 </file>
 
@@ -5306,17 +5311,17 @@
       </dgm:t>
     </dgm:pt>
     <dgm:pt modelId="{C6B309B9-7FA0-4387-AD33-65F798D80832}">
-      <dgm:prSet/>
+      <dgm:prSet custT="1"/>
       <dgm:spPr/>
       <dgm:t>
         <a:bodyPr/>
         <a:lstStyle/>
         <a:p>
           <a:r>
-            <a:rPr lang="es-ES"/>
+            <a:rPr lang="es-ES" sz="1600" dirty="0"/>
             <a:t>Las relaciones proporcionan conexiones dirigidas, con nombre y semánticamente relevantes entre dos entidades de nodos.</a:t>
           </a:r>
-          <a:endParaRPr lang="en-US"/>
+          <a:endParaRPr lang="en-US" sz="1600" dirty="0"/>
         </a:p>
       </dgm:t>
     </dgm:pt>
@@ -5343,17 +5348,17 @@
       </dgm:t>
     </dgm:pt>
     <dgm:pt modelId="{7CB1F916-DC3D-4017-9EF4-65FEE93D46E8}">
-      <dgm:prSet/>
+      <dgm:prSet custT="1"/>
       <dgm:spPr/>
       <dgm:t>
         <a:bodyPr/>
         <a:lstStyle/>
         <a:p>
           <a:r>
-            <a:rPr lang="es-ES"/>
+            <a:rPr lang="es-ES" sz="1600" dirty="0"/>
             <a:t>Una relación siempre tiene una dirección, un tipo, un nodo de inicio y un nodo final. </a:t>
           </a:r>
-          <a:endParaRPr lang="en-US"/>
+          <a:endParaRPr lang="en-US" sz="1600" dirty="0"/>
         </a:p>
       </dgm:t>
     </dgm:pt>
@@ -5380,17 +5385,17 @@
       </dgm:t>
     </dgm:pt>
     <dgm:pt modelId="{61F991BB-6F02-4CC2-8879-992258C58097}">
-      <dgm:prSet/>
+      <dgm:prSet custT="1"/>
       <dgm:spPr/>
       <dgm:t>
         <a:bodyPr/>
         <a:lstStyle/>
         <a:p>
           <a:r>
-            <a:rPr lang="es-ES"/>
+            <a:rPr lang="es-ES" sz="1400" dirty="0"/>
             <a:t>Al igual que los nodos, las relaciones también pueden tener propiedades. En la mayoría de los casos, las relaciones tienen propiedades cuantitativas, como ponderaciones, costos, distancias, clasificaciones, intervalos de tiempo o fortalezas. </a:t>
           </a:r>
-          <a:endParaRPr lang="en-US"/>
+          <a:endParaRPr lang="en-US" sz="1400" dirty="0"/>
         </a:p>
       </dgm:t>
     </dgm:pt>
@@ -5571,17 +5576,17 @@
       </dgm:t>
     </dgm:pt>
     <dgm:pt modelId="{60B5B8B2-ECF7-43E9-BC9F-54953204B413}">
-      <dgm:prSet/>
+      <dgm:prSet custT="1"/>
       <dgm:spPr/>
       <dgm:t>
         <a:bodyPr/>
         <a:lstStyle/>
         <a:p>
           <a:r>
-            <a:rPr lang="es-ES"/>
+            <a:rPr lang="es-ES" sz="1600" dirty="0"/>
             <a:t>Como los inventores del gráfico de propiedades, Neo4j es el primer y dominante motor en el mercado gráfico.</a:t>
           </a:r>
-          <a:endParaRPr lang="en-US"/>
+          <a:endParaRPr lang="en-US" sz="1600" dirty="0"/>
         </a:p>
       </dgm:t>
     </dgm:pt>
@@ -5604,24 +5609,25 @@
         <a:lstStyle/>
         <a:p>
           <a:r>
-            <a:rPr lang="en-US" dirty="0"/>
+            <a:rPr lang="en-US"/>
             <a:t>1</a:t>
           </a:r>
+          <a:endParaRPr lang="en-US" dirty="0"/>
         </a:p>
       </dgm:t>
     </dgm:pt>
     <dgm:pt modelId="{11C457CD-32E8-4E04-AC90-11A40DFC748B}">
-      <dgm:prSet/>
+      <dgm:prSet custT="1"/>
       <dgm:spPr/>
       <dgm:t>
         <a:bodyPr/>
         <a:lstStyle/>
         <a:p>
           <a:r>
-            <a:rPr lang="es-ES" dirty="0"/>
+            <a:rPr lang="es-ES" sz="1600" dirty="0"/>
             <a:t>Neo4j tiene la mayor comunidad de entusiastas de bases de datos de grafos que contribuyen al ecosistema Neo4j.</a:t>
           </a:r>
-          <a:endParaRPr lang="en-US" dirty="0"/>
+          <a:endParaRPr lang="en-US" sz="1600" dirty="0"/>
         </a:p>
       </dgm:t>
     </dgm:pt>
@@ -5658,10 +5664,10 @@
         <a:lstStyle/>
         <a:p>
           <a:r>
-            <a:rPr lang="es-ES"/>
+            <a:rPr lang="es-ES" dirty="0"/>
             <a:t>Neo4j ofrece el rendimiento de lectura y escritura ultrarrápido.</a:t>
           </a:r>
-          <a:endParaRPr lang="en-US"/>
+          <a:endParaRPr lang="en-US" dirty="0"/>
         </a:p>
       </dgm:t>
     </dgm:pt>
@@ -5959,17 +5965,17 @@
       </dgm:t>
     </dgm:pt>
     <dgm:pt modelId="{60B5B8B2-ECF7-43E9-BC9F-54953204B413}">
-      <dgm:prSet/>
+      <dgm:prSet custT="1"/>
       <dgm:spPr/>
       <dgm:t>
         <a:bodyPr/>
         <a:lstStyle/>
         <a:p>
           <a:r>
-            <a:rPr lang="es-ES" dirty="0"/>
+            <a:rPr lang="es-ES" sz="1600" dirty="0"/>
             <a:t>Neo4j se ha reforzado a través de años de implementaciones de producción y rigurosas pruebas en curso, por lo que puede se confiar en él.</a:t>
           </a:r>
-          <a:endParaRPr lang="en-US" dirty="0"/>
+          <a:endParaRPr lang="en-US" sz="1600" dirty="0"/>
         </a:p>
       </dgm:t>
     </dgm:pt>
@@ -5992,9 +5998,10 @@
         <a:lstStyle/>
         <a:p>
           <a:r>
-            <a:rPr lang="en-US" dirty="0"/>
+            <a:rPr lang="en-US"/>
             <a:t>1</a:t>
           </a:r>
+          <a:endParaRPr lang="en-US" dirty="0"/>
         </a:p>
       </dgm:t>
     </dgm:pt>
@@ -7162,8 +7169,8 @@
       </dsp:nvSpPr>
       <dsp:spPr>
         <a:xfrm>
-          <a:off x="2909943" y="1299172"/>
-          <a:ext cx="638787" cy="91440"/>
+          <a:off x="2910270" y="1300351"/>
+          <a:ext cx="638133" cy="91440"/>
         </a:xfrm>
         <a:custGeom>
           <a:avLst/>
@@ -7177,7 +7184,7 @@
                 <a:pt x="0" y="45720"/>
               </a:moveTo>
               <a:lnTo>
-                <a:pt x="638787" y="45720"/>
+                <a:pt x="638133" y="45720"/>
               </a:lnTo>
             </a:path>
           </a:pathLst>
@@ -7231,8 +7238,8 @@
         </a:p>
       </dsp:txBody>
       <dsp:txXfrm>
-        <a:off x="3212602" y="1341545"/>
-        <a:ext cx="33469" cy="6693"/>
+        <a:off x="3212619" y="1342724"/>
+        <a:ext cx="33436" cy="6693"/>
       </dsp:txXfrm>
     </dsp:sp>
     <dsp:sp modelId="{840BA79A-495D-4D45-878C-ACC42F214534}">
@@ -7242,8 +7249,8 @@
       </dsp:nvSpPr>
       <dsp:spPr>
         <a:xfrm>
-          <a:off x="1363" y="471777"/>
-          <a:ext cx="2910380" cy="1746228"/>
+          <a:off x="4532" y="473810"/>
+          <a:ext cx="2907538" cy="1744522"/>
         </a:xfrm>
         <a:prstGeom prst="rect">
           <a:avLst/>
@@ -7299,12 +7306,12 @@
         </a:fontRef>
       </dsp:style>
       <dsp:txBody>
-        <a:bodyPr spcFirstLastPara="0" vert="horz" wrap="square" lIns="142611" tIns="149695" rIns="142611" bIns="149695" numCol="1" spcCol="1270" anchor="ctr" anchorCtr="0">
+        <a:bodyPr spcFirstLastPara="0" vert="horz" wrap="square" lIns="142472" tIns="149549" rIns="142472" bIns="149549" numCol="1" spcCol="1270" anchor="ctr" anchorCtr="0">
           <a:noAutofit/>
         </a:bodyPr>
         <a:lstStyle/>
         <a:p>
-          <a:pPr marL="0" lvl="0" indent="0" algn="ctr" defTabSz="533400">
+          <a:pPr marL="0" lvl="0" indent="0" algn="ctr" defTabSz="711200">
             <a:lnSpc>
               <a:spcPct val="90000"/>
             </a:lnSpc>
@@ -7317,15 +7324,15 @@
             <a:buNone/>
           </a:pPr>
           <a:r>
-            <a:rPr lang="es-ES" sz="1200" kern="1200"/>
+            <a:rPr lang="es-ES" sz="1600" kern="1200" dirty="0"/>
             <a:t>Las relaciones proporcionan conexiones dirigidas, con nombre y semánticamente relevantes entre dos entidades de nodos.</a:t>
           </a:r>
-          <a:endParaRPr lang="en-US" sz="1200" kern="1200"/>
+          <a:endParaRPr lang="en-US" sz="1600" kern="1200" dirty="0"/>
         </a:p>
       </dsp:txBody>
       <dsp:txXfrm>
-        <a:off x="1363" y="471777"/>
-        <a:ext cx="2910380" cy="1746228"/>
+        <a:off x="4532" y="473810"/>
+        <a:ext cx="2907538" cy="1744522"/>
       </dsp:txXfrm>
     </dsp:sp>
     <dsp:sp modelId="{BE6CE397-F356-4F08-B944-278DADE54F3C}">
@@ -7335,8 +7342,8 @@
       </dsp:nvSpPr>
       <dsp:spPr>
         <a:xfrm>
-          <a:off x="1456553" y="2216206"/>
-          <a:ext cx="3579768" cy="638787"/>
+          <a:off x="1458301" y="2216533"/>
+          <a:ext cx="3576272" cy="638133"/>
         </a:xfrm>
         <a:custGeom>
           <a:avLst/>
@@ -7347,16 +7354,16 @@
           <a:pathLst>
             <a:path>
               <a:moveTo>
-                <a:pt x="3579768" y="0"/>
+                <a:pt x="3576272" y="0"/>
               </a:moveTo>
               <a:lnTo>
-                <a:pt x="3579768" y="336493"/>
+                <a:pt x="3576272" y="336166"/>
               </a:lnTo>
               <a:lnTo>
-                <a:pt x="0" y="336493"/>
+                <a:pt x="0" y="336166"/>
               </a:lnTo>
               <a:lnTo>
-                <a:pt x="0" y="638787"/>
+                <a:pt x="0" y="638133"/>
               </a:lnTo>
             </a:path>
           </a:pathLst>
@@ -7410,8 +7417,8 @@
         </a:p>
       </dsp:txBody>
       <dsp:txXfrm>
-        <a:off x="3155392" y="2532253"/>
-        <a:ext cx="182090" cy="6693"/>
+        <a:off x="3155481" y="2532253"/>
+        <a:ext cx="181912" cy="6693"/>
       </dsp:txXfrm>
     </dsp:sp>
     <dsp:sp modelId="{E1A2693A-E87C-4415-A7E0-3EA289B311B5}">
@@ -7421,8 +7428,8 @@
       </dsp:nvSpPr>
       <dsp:spPr>
         <a:xfrm>
-          <a:off x="3581131" y="471777"/>
-          <a:ext cx="2910380" cy="1746228"/>
+          <a:off x="3580804" y="473810"/>
+          <a:ext cx="2907538" cy="1744522"/>
         </a:xfrm>
         <a:prstGeom prst="rect">
           <a:avLst/>
@@ -7478,12 +7485,12 @@
         </a:fontRef>
       </dsp:style>
       <dsp:txBody>
-        <a:bodyPr spcFirstLastPara="0" vert="horz" wrap="square" lIns="142611" tIns="149695" rIns="142611" bIns="149695" numCol="1" spcCol="1270" anchor="ctr" anchorCtr="0">
+        <a:bodyPr spcFirstLastPara="0" vert="horz" wrap="square" lIns="142472" tIns="149549" rIns="142472" bIns="149549" numCol="1" spcCol="1270" anchor="ctr" anchorCtr="0">
           <a:noAutofit/>
         </a:bodyPr>
         <a:lstStyle/>
         <a:p>
-          <a:pPr marL="0" lvl="0" indent="0" algn="ctr" defTabSz="533400">
+          <a:pPr marL="0" lvl="0" indent="0" algn="ctr" defTabSz="711200">
             <a:lnSpc>
               <a:spcPct val="90000"/>
             </a:lnSpc>
@@ -7496,15 +7503,15 @@
             <a:buNone/>
           </a:pPr>
           <a:r>
-            <a:rPr lang="es-ES" sz="1200" kern="1200"/>
+            <a:rPr lang="es-ES" sz="1600" kern="1200" dirty="0"/>
             <a:t>Una relación siempre tiene una dirección, un tipo, un nodo de inicio y un nodo final. </a:t>
           </a:r>
-          <a:endParaRPr lang="en-US" sz="1200" kern="1200"/>
+          <a:endParaRPr lang="en-US" sz="1600" kern="1200" dirty="0"/>
         </a:p>
       </dsp:txBody>
       <dsp:txXfrm>
-        <a:off x="3581131" y="471777"/>
-        <a:ext cx="2910380" cy="1746228"/>
+        <a:off x="3580804" y="473810"/>
+        <a:ext cx="2907538" cy="1744522"/>
       </dsp:txXfrm>
     </dsp:sp>
     <dsp:sp modelId="{9B132977-13F7-4E51-BC5F-85650BDD2D9D}">
@@ -7514,8 +7521,8 @@
       </dsp:nvSpPr>
       <dsp:spPr>
         <a:xfrm>
-          <a:off x="2909943" y="3714787"/>
-          <a:ext cx="638787" cy="91440"/>
+          <a:off x="2910270" y="3713608"/>
+          <a:ext cx="638133" cy="91440"/>
         </a:xfrm>
         <a:custGeom>
           <a:avLst/>
@@ -7529,7 +7536,7 @@
                 <a:pt x="0" y="45720"/>
               </a:moveTo>
               <a:lnTo>
-                <a:pt x="638787" y="45720"/>
+                <a:pt x="638133" y="45720"/>
               </a:lnTo>
             </a:path>
           </a:pathLst>
@@ -7583,8 +7590,8 @@
         </a:p>
       </dsp:txBody>
       <dsp:txXfrm>
-        <a:off x="3212602" y="3757160"/>
-        <a:ext cx="33469" cy="6693"/>
+        <a:off x="3212619" y="3755981"/>
+        <a:ext cx="33436" cy="6693"/>
       </dsp:txXfrm>
     </dsp:sp>
     <dsp:sp modelId="{89B779E4-83FC-4136-AE69-D7C315933328}">
@@ -7594,8 +7601,8 @@
       </dsp:nvSpPr>
       <dsp:spPr>
         <a:xfrm>
-          <a:off x="1363" y="2887393"/>
-          <a:ext cx="2910380" cy="1746228"/>
+          <a:off x="4532" y="2887066"/>
+          <a:ext cx="2907538" cy="1744522"/>
         </a:xfrm>
         <a:prstGeom prst="rect">
           <a:avLst/>
@@ -7651,12 +7658,12 @@
         </a:fontRef>
       </dsp:style>
       <dsp:txBody>
-        <a:bodyPr spcFirstLastPara="0" vert="horz" wrap="square" lIns="142611" tIns="149695" rIns="142611" bIns="149695" numCol="1" spcCol="1270" anchor="ctr" anchorCtr="0">
+        <a:bodyPr spcFirstLastPara="0" vert="horz" wrap="square" lIns="142472" tIns="149549" rIns="142472" bIns="149549" numCol="1" spcCol="1270" anchor="ctr" anchorCtr="0">
           <a:noAutofit/>
         </a:bodyPr>
         <a:lstStyle/>
         <a:p>
-          <a:pPr marL="0" lvl="0" indent="0" algn="ctr" defTabSz="533400">
+          <a:pPr marL="0" lvl="0" indent="0" algn="ctr" defTabSz="622300">
             <a:lnSpc>
               <a:spcPct val="90000"/>
             </a:lnSpc>
@@ -7669,15 +7676,15 @@
             <a:buNone/>
           </a:pPr>
           <a:r>
-            <a:rPr lang="es-ES" sz="1200" kern="1200"/>
+            <a:rPr lang="es-ES" sz="1400" kern="1200" dirty="0"/>
             <a:t>Al igual que los nodos, las relaciones también pueden tener propiedades. En la mayoría de los casos, las relaciones tienen propiedades cuantitativas, como ponderaciones, costos, distancias, clasificaciones, intervalos de tiempo o fortalezas. </a:t>
           </a:r>
-          <a:endParaRPr lang="en-US" sz="1200" kern="1200"/>
+          <a:endParaRPr lang="en-US" sz="1400" kern="1200" dirty="0"/>
         </a:p>
       </dsp:txBody>
       <dsp:txXfrm>
-        <a:off x="1363" y="2887393"/>
-        <a:ext cx="2910380" cy="1746228"/>
+        <a:off x="4532" y="2887066"/>
+        <a:ext cx="2907538" cy="1744522"/>
       </dsp:txXfrm>
     </dsp:sp>
     <dsp:sp modelId="{8075D937-4317-4D61-AA89-47A43343C63A}">
@@ -7687,8 +7694,8 @@
       </dsp:nvSpPr>
       <dsp:spPr>
         <a:xfrm>
-          <a:off x="3581131" y="2887393"/>
-          <a:ext cx="2910380" cy="1746228"/>
+          <a:off x="3580804" y="2887066"/>
+          <a:ext cx="2907538" cy="1744522"/>
         </a:xfrm>
         <a:prstGeom prst="rect">
           <a:avLst/>
@@ -7744,7 +7751,7 @@
         </a:fontRef>
       </dsp:style>
       <dsp:txBody>
-        <a:bodyPr spcFirstLastPara="0" vert="horz" wrap="square" lIns="142611" tIns="149695" rIns="142611" bIns="149695" numCol="1" spcCol="1270" anchor="ctr" anchorCtr="0">
+        <a:bodyPr spcFirstLastPara="0" vert="horz" wrap="square" lIns="142472" tIns="149549" rIns="142472" bIns="149549" numCol="1" spcCol="1270" anchor="ctr" anchorCtr="0">
           <a:noAutofit/>
         </a:bodyPr>
         <a:lstStyle/>
@@ -7769,8 +7776,8 @@
         </a:p>
       </dsp:txBody>
       <dsp:txXfrm>
-        <a:off x="3581131" y="2887393"/>
-        <a:ext cx="2910380" cy="1746228"/>
+        <a:off x="3580804" y="2887066"/>
+        <a:ext cx="2907538" cy="1744522"/>
       </dsp:txXfrm>
     </dsp:sp>
   </dsp:spTree>
@@ -7843,7 +7850,7 @@
         </a:bodyPr>
         <a:lstStyle/>
         <a:p>
-          <a:pPr marL="0" lvl="0" indent="0" algn="l" defTabSz="622300">
+          <a:pPr marL="0" lvl="0" indent="0" algn="l" defTabSz="711200">
             <a:lnSpc>
               <a:spcPct val="90000"/>
             </a:lnSpc>
@@ -7856,10 +7863,10 @@
             <a:buNone/>
           </a:pPr>
           <a:r>
-            <a:rPr lang="es-ES" sz="1400" kern="1200"/>
+            <a:rPr lang="es-ES" sz="1600" kern="1200" dirty="0"/>
             <a:t>Como los inventores del gráfico de propiedades, Neo4j es el primer y dominante motor en el mercado gráfico.</a:t>
           </a:r>
-          <a:endParaRPr lang="en-US" sz="1400" kern="1200"/>
+          <a:endParaRPr lang="en-US" sz="1600" kern="1200" dirty="0"/>
         </a:p>
       </dsp:txBody>
       <dsp:txXfrm>
@@ -7970,9 +7977,10 @@
             <a:buNone/>
           </a:pPr>
           <a:r>
-            <a:rPr lang="en-US" sz="4600" kern="1200" dirty="0"/>
+            <a:rPr lang="en-US" sz="4600" kern="1200"/>
             <a:t>1</a:t>
           </a:r>
+          <a:endParaRPr lang="en-US" sz="4600" kern="1200" dirty="0"/>
         </a:p>
       </dsp:txBody>
       <dsp:txXfrm>
@@ -8123,7 +8131,7 @@
         </a:bodyPr>
         <a:lstStyle/>
         <a:p>
-          <a:pPr marL="0" lvl="0" indent="0" algn="l" defTabSz="622300">
+          <a:pPr marL="0" lvl="0" indent="0" algn="l" defTabSz="711200">
             <a:lnSpc>
               <a:spcPct val="90000"/>
             </a:lnSpc>
@@ -8136,10 +8144,10 @@
             <a:buNone/>
           </a:pPr>
           <a:r>
-            <a:rPr lang="es-ES" sz="1400" kern="1200" dirty="0"/>
+            <a:rPr lang="es-ES" sz="1600" kern="1200" dirty="0"/>
             <a:t>Neo4j tiene la mayor comunidad de entusiastas de bases de datos de grafos que contribuyen al ecosistema Neo4j.</a:t>
           </a:r>
-          <a:endParaRPr lang="en-US" sz="1400" kern="1200" dirty="0"/>
+          <a:endParaRPr lang="en-US" sz="1600" kern="1200" dirty="0"/>
         </a:p>
       </dsp:txBody>
       <dsp:txXfrm>
@@ -8403,7 +8411,7 @@
         </a:bodyPr>
         <a:lstStyle/>
         <a:p>
-          <a:pPr marL="0" lvl="0" indent="0" algn="l" defTabSz="622300">
+          <a:pPr marL="0" lvl="0" indent="0" algn="l" defTabSz="755650">
             <a:lnSpc>
               <a:spcPct val="90000"/>
             </a:lnSpc>
@@ -8416,10 +8424,10 @@
             <a:buNone/>
           </a:pPr>
           <a:r>
-            <a:rPr lang="es-ES" sz="1400" kern="1200"/>
+            <a:rPr lang="es-ES" sz="1700" kern="1200" dirty="0"/>
             <a:t>Neo4j ofrece el rendimiento de lectura y escritura ultrarrápido.</a:t>
           </a:r>
-          <a:endParaRPr lang="en-US" sz="1400" kern="1200"/>
+          <a:endParaRPr lang="en-US" sz="1700" kern="1200" dirty="0"/>
         </a:p>
       </dsp:txBody>
       <dsp:txXfrm>
@@ -8683,7 +8691,7 @@
         </a:bodyPr>
         <a:lstStyle/>
         <a:p>
-          <a:pPr marL="0" lvl="0" indent="0" algn="l" defTabSz="622300">
+          <a:pPr marL="0" lvl="0" indent="0" algn="l" defTabSz="755650">
             <a:lnSpc>
               <a:spcPct val="90000"/>
             </a:lnSpc>
@@ -8696,10 +8704,10 @@
             <a:buNone/>
           </a:pPr>
           <a:r>
-            <a:rPr lang="es-ES" sz="1400" kern="1200"/>
+            <a:rPr lang="es-ES" sz="1700" kern="1200"/>
             <a:t>Alto rendimiento gracias al almacenamiento y procesamiento de gráficos nativos.</a:t>
           </a:r>
-          <a:endParaRPr lang="en-US" sz="1400" kern="1200"/>
+          <a:endParaRPr lang="en-US" sz="1700" kern="1200"/>
         </a:p>
       </dsp:txBody>
       <dsp:txXfrm>
@@ -8981,7 +8989,7 @@
         </a:bodyPr>
         <a:lstStyle/>
         <a:p>
-          <a:pPr marL="0" lvl="0" indent="0" algn="l" defTabSz="577850">
+          <a:pPr marL="0" lvl="0" indent="0" algn="l" defTabSz="711200">
             <a:lnSpc>
               <a:spcPct val="90000"/>
             </a:lnSpc>
@@ -8994,10 +9002,10 @@
             <a:buNone/>
           </a:pPr>
           <a:r>
-            <a:rPr lang="es-ES" sz="1300" kern="1200" dirty="0"/>
+            <a:rPr lang="es-ES" sz="1600" kern="1200" dirty="0"/>
             <a:t>Neo4j se ha reforzado a través de años de implementaciones de producción y rigurosas pruebas en curso, por lo que puede se confiar en él.</a:t>
           </a:r>
-          <a:endParaRPr lang="en-US" sz="1300" kern="1200" dirty="0"/>
+          <a:endParaRPr lang="en-US" sz="1600" kern="1200" dirty="0"/>
         </a:p>
       </dsp:txBody>
       <dsp:txXfrm>
@@ -9079,9 +9087,10 @@
             <a:buNone/>
           </a:pPr>
           <a:r>
-            <a:rPr lang="en-US" sz="4600" kern="1200" dirty="0"/>
+            <a:rPr lang="en-US" sz="4600" kern="1200"/>
             <a:t>1</a:t>
           </a:r>
+          <a:endParaRPr lang="en-US" sz="4600" kern="1200" dirty="0"/>
         </a:p>
       </dsp:txBody>
       <dsp:txXfrm>
@@ -9209,7 +9218,7 @@
         </a:bodyPr>
         <a:lstStyle/>
         <a:p>
-          <a:pPr marL="0" lvl="0" indent="0" algn="l" defTabSz="577850">
+          <a:pPr marL="0" lvl="0" indent="0" algn="l" defTabSz="755650">
             <a:lnSpc>
               <a:spcPct val="90000"/>
             </a:lnSpc>
@@ -9222,10 +9231,10 @@
             <a:buNone/>
           </a:pPr>
           <a:r>
-            <a:rPr lang="es-ES" sz="1300" kern="1200" dirty="0"/>
+            <a:rPr lang="es-ES" sz="1700" kern="1200" dirty="0"/>
             <a:t>Velocidad de carga asombrosa de enormes tamaños de datos, con muy poca huella de memoria</a:t>
           </a:r>
-          <a:endParaRPr lang="en-US" sz="1300" kern="1200" dirty="0"/>
+          <a:endParaRPr lang="en-US" sz="1700" kern="1200" dirty="0"/>
         </a:p>
       </dsp:txBody>
       <dsp:txXfrm>
@@ -9437,7 +9446,7 @@
         </a:bodyPr>
         <a:lstStyle/>
         <a:p>
-          <a:pPr marL="0" lvl="0" indent="0" algn="l" defTabSz="577850">
+          <a:pPr marL="0" lvl="0" indent="0" algn="l" defTabSz="755650">
             <a:lnSpc>
               <a:spcPct val="90000"/>
             </a:lnSpc>
@@ -9450,10 +9459,10 @@
             <a:buNone/>
           </a:pPr>
           <a:r>
-            <a:rPr lang="es-ES" sz="1300" kern="1200" dirty="0"/>
+            <a:rPr lang="es-ES" sz="1700" kern="1200" dirty="0"/>
             <a:t>Entorno de producción y aumentado de eficiencia</a:t>
           </a:r>
-          <a:endParaRPr lang="en-US" sz="1300" kern="1200" dirty="0"/>
+          <a:endParaRPr lang="en-US" sz="1700" kern="1200" dirty="0"/>
         </a:p>
       </dsp:txBody>
       <dsp:txXfrm>
@@ -9665,7 +9674,7 @@
         </a:bodyPr>
         <a:lstStyle/>
         <a:p>
-          <a:pPr marL="0" lvl="0" indent="0" algn="l" defTabSz="577850">
+          <a:pPr marL="0" lvl="0" indent="0" algn="l" defTabSz="755650">
             <a:lnSpc>
               <a:spcPct val="90000"/>
             </a:lnSpc>
@@ -9678,27 +9687,27 @@
             <a:buNone/>
           </a:pPr>
           <a:r>
-            <a:rPr lang="en-US" sz="1300" kern="1200" dirty="0" err="1"/>
+            <a:rPr lang="en-US" sz="1700" kern="1200" dirty="0" err="1"/>
             <a:t>Fácil</a:t>
           </a:r>
           <a:r>
-            <a:rPr lang="en-US" sz="1300" kern="1200" dirty="0"/>
+            <a:rPr lang="en-US" sz="1700" kern="1200" dirty="0"/>
             <a:t> de </a:t>
           </a:r>
           <a:r>
-            <a:rPr lang="en-US" sz="1300" kern="1200" dirty="0" err="1"/>
+            <a:rPr lang="en-US" sz="1700" kern="1200" dirty="0" err="1"/>
             <a:t>aprender</a:t>
           </a:r>
           <a:r>
-            <a:rPr lang="en-US" sz="1300" kern="1200" dirty="0"/>
+            <a:rPr lang="en-US" sz="1700" kern="1200" dirty="0"/>
             <a:t> y de </a:t>
           </a:r>
           <a:r>
-            <a:rPr lang="en-US" sz="1300" kern="1200" dirty="0" err="1"/>
+            <a:rPr lang="en-US" sz="1700" kern="1200" dirty="0" err="1"/>
             <a:t>usar</a:t>
           </a:r>
           <a:r>
-            <a:rPr lang="en-US" sz="1300" kern="1200" dirty="0"/>
+            <a:rPr lang="en-US" sz="1700" kern="1200" dirty="0"/>
             <a:t> (Cypher , API ).</a:t>
           </a:r>
         </a:p>
@@ -16247,7 +16256,7 @@
           <a:p>
             <a:fld id="{1192F8D3-344B-45C7-BD99-B0106FC09CAC}" type="datetimeFigureOut">
               <a:rPr lang="es-MX" smtClean="0"/>
-              <a:t>13/08/2018</a:t>
+              <a:t>21/08/2018</a:t>
             </a:fld>
             <a:endParaRPr lang="es-MX"/>
           </a:p>
@@ -17017,7 +17026,7 @@
           <a:p>
             <a:fld id="{CE61A8E1-D633-4BAA-951F-FA1392AD743B}" type="datetime1">
               <a:rPr lang="en-US" smtClean="0"/>
-              <a:t>8/13/2018</a:t>
+              <a:t>8/21/2018</a:t>
             </a:fld>
             <a:endParaRPr lang="en-US"/>
           </a:p>
@@ -17321,7 +17330,7 @@
           <a:p>
             <a:fld id="{77882831-746B-4802-A5D8-B224AA18750D}" type="datetime1">
               <a:rPr lang="en-US" smtClean="0"/>
-              <a:t>8/13/2018</a:t>
+              <a:t>8/21/2018</a:t>
             </a:fld>
             <a:endParaRPr lang="en-US"/>
           </a:p>
@@ -17572,7 +17581,7 @@
           <a:p>
             <a:fld id="{E63D3392-330D-45E7-8C05-17A0D06E9D67}" type="datetime1">
               <a:rPr lang="en-US" smtClean="0"/>
-              <a:t>8/13/2018</a:t>
+              <a:t>8/21/2018</a:t>
             </a:fld>
             <a:endParaRPr lang="en-US"/>
           </a:p>
@@ -18115,7 +18124,7 @@
           <a:p>
             <a:fld id="{24DA75F9-B847-463B-AAE4-E1C87C98E3B5}" type="datetime1">
               <a:rPr lang="en-US" smtClean="0"/>
-              <a:t>8/13/2018</a:t>
+              <a:t>8/21/2018</a:t>
             </a:fld>
             <a:endParaRPr lang="en-US"/>
           </a:p>
@@ -18366,7 +18375,7 @@
           <a:p>
             <a:fld id="{6DD9050B-45E2-4AB8-B53B-73BBE421088C}" type="datetime1">
               <a:rPr lang="en-US" smtClean="0"/>
-              <a:t>8/13/2018</a:t>
+              <a:t>8/21/2018</a:t>
             </a:fld>
             <a:endParaRPr lang="en-US"/>
           </a:p>
@@ -18901,7 +18910,7 @@
           <a:p>
             <a:fld id="{2E7AFA0F-9379-4E84-8829-A5834C8B4E8C}" type="datetime1">
               <a:rPr lang="en-US" smtClean="0"/>
-              <a:t>8/13/2018</a:t>
+              <a:t>8/21/2018</a:t>
             </a:fld>
             <a:endParaRPr lang="en-US"/>
           </a:p>
@@ -19201,7 +19210,7 @@
           <a:p>
             <a:fld id="{547944FD-8429-40E2-9B9F-DE4AE0633591}" type="datetime1">
               <a:rPr lang="en-US" smtClean="0"/>
-              <a:t>8/13/2018</a:t>
+              <a:t>8/21/2018</a:t>
             </a:fld>
             <a:endParaRPr lang="en-US"/>
           </a:p>
@@ -19378,7 +19387,7 @@
           <a:p>
             <a:fld id="{235B5698-F706-404C-93E7-B1CABA386876}" type="datetime1">
               <a:rPr lang="en-US" smtClean="0"/>
-              <a:t>8/13/2018</a:t>
+              <a:t>8/21/2018</a:t>
             </a:fld>
             <a:endParaRPr lang="en-US"/>
           </a:p>
@@ -19561,7 +19570,7 @@
           <a:p>
             <a:fld id="{A253B790-BC24-4E83-BF19-4BDE146EB1AA}" type="datetime1">
               <a:rPr lang="en-US" smtClean="0"/>
-              <a:t>8/13/2018</a:t>
+              <a:t>8/21/2018</a:t>
             </a:fld>
             <a:endParaRPr lang="en-US"/>
           </a:p>
@@ -19734,7 +19743,7 @@
           <a:p>
             <a:fld id="{528701C4-2251-403C-A536-A7F1167D210C}" type="datetime1">
               <a:rPr lang="en-US" smtClean="0"/>
-              <a:t>8/13/2018</a:t>
+              <a:t>8/21/2018</a:t>
             </a:fld>
             <a:endParaRPr lang="en-US"/>
           </a:p>
@@ -19988,7 +19997,7 @@
           <a:p>
             <a:fld id="{4AE34488-C878-4B38-AB75-3C25CBACBC93}" type="datetime1">
               <a:rPr lang="en-US" smtClean="0"/>
-              <a:t>8/13/2018</a:t>
+              <a:t>8/21/2018</a:t>
             </a:fld>
             <a:endParaRPr lang="en-US"/>
           </a:p>
@@ -20293,7 +20302,7 @@
           <a:p>
             <a:fld id="{4FE766A6-96AB-4AD1-A7EC-72A580BA99F3}" type="datetime1">
               <a:rPr lang="en-US" smtClean="0"/>
-              <a:t>8/13/2018</a:t>
+              <a:t>8/21/2018</a:t>
             </a:fld>
             <a:endParaRPr lang="en-US"/>
           </a:p>
@@ -20738,7 +20747,7 @@
           <a:p>
             <a:fld id="{EAA153BD-BDC6-4289-94AE-8D57F8AD8144}" type="datetime1">
               <a:rPr lang="en-US" smtClean="0"/>
-              <a:t>8/13/2018</a:t>
+              <a:t>8/21/2018</a:t>
             </a:fld>
             <a:endParaRPr lang="en-US"/>
           </a:p>
@@ -20859,7 +20868,7 @@
           <a:p>
             <a:fld id="{ABAA7054-E5C6-434B-8094-320DB8005E77}" type="datetime1">
               <a:rPr lang="en-US" smtClean="0"/>
-              <a:t>8/13/2018</a:t>
+              <a:t>8/21/2018</a:t>
             </a:fld>
             <a:endParaRPr lang="en-US"/>
           </a:p>
@@ -20957,7 +20966,7 @@
           <a:p>
             <a:fld id="{301B89D5-10F8-44B3-8414-554552AD7621}" type="datetime1">
               <a:rPr lang="en-US" smtClean="0"/>
-              <a:t>8/13/2018</a:t>
+              <a:t>8/21/2018</a:t>
             </a:fld>
             <a:endParaRPr lang="en-US"/>
           </a:p>
@@ -21243,7 +21252,7 @@
           <a:p>
             <a:fld id="{4054887B-4DAC-4763-975E-9683462AAA26}" type="datetime1">
               <a:rPr lang="en-US" smtClean="0"/>
-              <a:t>8/13/2018</a:t>
+              <a:t>8/21/2018</a:t>
             </a:fld>
             <a:endParaRPr lang="en-US"/>
           </a:p>
@@ -21537,7 +21546,7 @@
           <a:p>
             <a:fld id="{BF2AA828-241C-4A88-B06B-4FBA89E54C13}" type="datetime1">
               <a:rPr lang="en-US" smtClean="0"/>
-              <a:t>8/13/2018</a:t>
+              <a:t>8/21/2018</a:t>
             </a:fld>
             <a:endParaRPr lang="en-US"/>
           </a:p>
@@ -22071,7 +22080,7 @@
           <a:p>
             <a:fld id="{0EA11C79-CEF3-45AA-8239-2F73B85225FC}" type="datetime1">
               <a:rPr lang="en-US" smtClean="0"/>
-              <a:t>8/13/2018</a:t>
+              <a:t>8/21/2018</a:t>
             </a:fld>
             <a:endParaRPr lang="en-US"/>
           </a:p>
@@ -25664,7 +25673,7 @@
             <p:ph idx="1"/>
             <p:extLst>
               <p:ext uri="{D42A27DB-BD31-4B8C-83A1-F6EECF244321}">
-                <p14:modId xmlns:p14="http://schemas.microsoft.com/office/powerpoint/2010/main" val="1126303530"/>
+                <p14:modId xmlns:p14="http://schemas.microsoft.com/office/powerpoint/2010/main" val="953277867"/>
               </p:ext>
             </p:extLst>
           </p:nvPr>
@@ -25948,7 +25957,7 @@
           <a:p>
             <a:r>
               <a:rPr lang="es-ES" dirty="0"/>
-              <a:t>Neo4j tiene una Edición de comunidad y una Edición de empresa de la base de datos. </a:t>
+              <a:t>Neo4j tiene una Edición de comunidad y una Edición de empresa.</a:t>
             </a:r>
           </a:p>
           <a:p>
@@ -26175,7 +26184,7 @@
             <p:ph idx="1"/>
             <p:extLst>
               <p:ext uri="{D42A27DB-BD31-4B8C-83A1-F6EECF244321}">
-                <p14:modId xmlns:p14="http://schemas.microsoft.com/office/powerpoint/2010/main" val="3337615099"/>
+                <p14:modId xmlns:p14="http://schemas.microsoft.com/office/powerpoint/2010/main" val="1246346325"/>
               </p:ext>
             </p:extLst>
           </p:nvPr>
@@ -26334,7 +26343,7 @@
             <p:ph idx="1"/>
             <p:extLst>
               <p:ext uri="{D42A27DB-BD31-4B8C-83A1-F6EECF244321}">
-                <p14:modId xmlns:p14="http://schemas.microsoft.com/office/powerpoint/2010/main" val="4273571564"/>
+                <p14:modId xmlns:p14="http://schemas.microsoft.com/office/powerpoint/2010/main" val="322971005"/>
               </p:ext>
             </p:extLst>
           </p:nvPr>
@@ -26918,7 +26927,15 @@
           <a:p>
             <a:r>
               <a:rPr lang="es-ES" dirty="0"/>
-              <a:t>Las bases de datos de gráficos tienen otras tres ventajas clave:</a:t>
+              <a:t>Las bases de datos de </a:t>
+            </a:r>
+            <a:r>
+              <a:rPr lang="es-ES" dirty="0" err="1"/>
+              <a:t>gráfos</a:t>
+            </a:r>
+            <a:r>
+              <a:rPr lang="es-ES" dirty="0"/>
+              <a:t> tienen otras tres ventajas clave:</a:t>
             </a:r>
           </a:p>
           <a:p>
@@ -27206,7 +27223,15 @@
           <a:p>
             <a:r>
               <a:rPr lang="es-ES" dirty="0"/>
-              <a:t>Para el manejo intensivo de relaciones de datos, las bases de datos de grafos mejoran el rendimiento en varios órdenes de magnitud. Con las bases de datos tradicionales, las consultas de relación se tardarán mas a medida que aumente el número y la profundidad de las relaciones. Por el contrario, el rendimiento de la base de datos de gráficos se mantiene constante incluso cuando sus datos crecen año tras año.</a:t>
+              <a:t>Para el manejo intensivo de relaciones de datos, las bases de datos de grafos mejoran el rendimiento en varios órdenes de magnitud. Con las bases de datos tradicionales, las consultas de relación se tardarán mas a medida que aumente el número y la profundidad de las relaciones. Por el contrario, el rendimiento de la base de datos de </a:t>
+            </a:r>
+            <a:r>
+              <a:rPr lang="es-ES" dirty="0" err="1"/>
+              <a:t>gráfos</a:t>
+            </a:r>
+            <a:r>
+              <a:rPr lang="es-ES" dirty="0"/>
+              <a:t> se mantiene constante incluso cuando sus datos crecen año tras año.</a:t>
             </a:r>
             <a:endParaRPr lang="en-US" dirty="0"/>
           </a:p>
@@ -27327,7 +27352,23 @@
           <a:p>
             <a:r>
               <a:rPr lang="es-ES" dirty="0"/>
-              <a:t>Con las bases de datos de gráficos, los equipos de arquitectura de datos y de TI se mueven a la velocidad de los negocios porque la estructura y el esquema de un modelo de gráficos se flexiona a medida que cambian las aplicaciones y las industrias. En lugar de modelar exhaustivamente un dominio con anticipación, los equipos de datos pueden agregar a la estructura de gráficos existente sin poner en peligro la funcionalidad actual.</a:t>
+              <a:t>Con las bases de datos de gráficos, los equipos de arquitectura de datos y de TI se mueven a la velocidad de los negocios porque la estructura y el esquema de un modelo de </a:t>
+            </a:r>
+            <a:r>
+              <a:rPr lang="es-ES" dirty="0" err="1"/>
+              <a:t>gráfos</a:t>
+            </a:r>
+            <a:r>
+              <a:rPr lang="es-ES" dirty="0"/>
+              <a:t> se flexiona a medida que cambian las aplicaciones y las industrias. En lugar de modelar exhaustivamente un dominio con anticipación, los equipos de datos pueden agregar a la estructura de </a:t>
+            </a:r>
+            <a:r>
+              <a:rPr lang="es-ES" dirty="0" err="1"/>
+              <a:t>gráfos</a:t>
+            </a:r>
+            <a:r>
+              <a:rPr lang="es-ES" dirty="0"/>
+              <a:t> existente sin poner en peligro la funcionalidad actual.</a:t>
             </a:r>
             <a:endParaRPr lang="en-US" dirty="0"/>
           </a:p>
@@ -27459,7 +27500,15 @@
           <a:p>
             <a:r>
               <a:rPr lang="es-ES" dirty="0"/>
-              <a:t>El desarrollo con bases de datos de grafos se alinea perfectamente con las prácticas de desarrollo ágiles y basadas en pruebas, lo que permite que su base de datos de gráficos evolucione al mismo ritmo que el resto de la aplicación y los requisitos comerciales cambiantes. Las bases de datos de gráficos modernos están equipadas para el desarrollo sin fricción y el mantenimiento elegante de los sistemas.</a:t>
+              <a:t>El desarrollo con bases de datos de grafos se alinea perfectamente con las prácticas de desarrollo ágiles y basadas en pruebas, lo que permite que su base de datos de gráficos evolucione al mismo ritmo que el resto de la aplicación y los requisitos comerciales cambiantes. Las bases de datos de </a:t>
+            </a:r>
+            <a:r>
+              <a:rPr lang="es-ES" dirty="0" err="1"/>
+              <a:t>gráfos</a:t>
+            </a:r>
+            <a:r>
+              <a:rPr lang="es-ES" dirty="0"/>
+              <a:t> modernos están equipadas para el desarrollo sin fricción y el mantenimiento elegante de los sistemas.</a:t>
             </a:r>
             <a:endParaRPr lang="en-US" dirty="0"/>
           </a:p>
